--- a/React/ReactTheory.pptx
+++ b/React/ReactTheory.pptx
@@ -6955,16 +6955,10 @@
               <a:rPr lang="en-US" b="1" dirty="0">
                 <a:latin typeface="Consolas" panose="020B0609020204030204" pitchFamily="49" charset="0"/>
               </a:rPr>
-              <a:t>Using the Spread </a:t>
-            </a:r>
-            <a:r>
-              <a:rPr lang="en-US" b="1">
-                <a:latin typeface="Consolas" panose="020B0609020204030204" pitchFamily="49" charset="0"/>
-              </a:rPr>
-              <a:t>Operator</a:t>
-            </a:r>
-            <a:r>
-              <a:rPr lang="en-US" b="1" smtClean="0">
+              <a:t>Using the Spread Operator</a:t>
+            </a:r>
+            <a:r>
+              <a:rPr lang="en-US" b="1" dirty="0" smtClean="0">
                 <a:latin typeface="Consolas" panose="020B0609020204030204" pitchFamily="49" charset="0"/>
               </a:rPr>
               <a:t>:</a:t>
@@ -7425,6 +7419,13 @@
   <p:clrMapOvr>
     <a:masterClrMapping/>
   </p:clrMapOvr>
+  <p:timing>
+    <p:tnLst>
+      <p:par>
+        <p:cTn id="1" dur="indefinite" restart="never" nodeType="tmRoot"/>
+      </p:par>
+    </p:tnLst>
+  </p:timing>
 </p:sld>
 </file>
 
@@ -7481,6 +7482,13 @@
   <p:clrMapOvr>
     <a:masterClrMapping/>
   </p:clrMapOvr>
+  <p:timing>
+    <p:tnLst>
+      <p:par>
+        <p:cTn id="1" dur="indefinite" restart="never" nodeType="tmRoot"/>
+      </p:par>
+    </p:tnLst>
+  </p:timing>
 </p:sld>
 </file>
 
@@ -7743,6 +7751,13 @@
   <p:clrMapOvr>
     <a:masterClrMapping/>
   </p:clrMapOvr>
+  <p:timing>
+    <p:tnLst>
+      <p:par>
+        <p:cTn id="1" dur="indefinite" restart="never" nodeType="tmRoot"/>
+      </p:par>
+    </p:tnLst>
+  </p:timing>
 </p:sld>
 </file>
 
@@ -7860,17 +7875,31 @@
             <a:pPr marL="0" indent="0">
               <a:buNone/>
             </a:pPr>
-            <a:r>
-              <a:rPr lang="en-IN" dirty="0" err="1">
+            <a:endParaRPr lang="en-IN" dirty="0" smtClean="0">
+              <a:latin typeface="Consolas" panose="020B0609020204030204" pitchFamily="49" charset="0"/>
+            </a:endParaRPr>
+          </a:p>
+          <a:p>
+            <a:pPr marL="0" indent="0">
+              <a:buNone/>
+            </a:pPr>
+            <a:r>
+              <a:rPr lang="en-IN" b="1" dirty="0" err="1" smtClean="0">
                 <a:latin typeface="Consolas" panose="020B0609020204030204" pitchFamily="49" charset="0"/>
               </a:rPr>
               <a:t>Destructuring</a:t>
             </a:r>
             <a:r>
-              <a:rPr lang="en-IN" dirty="0">
-                <a:latin typeface="Consolas" panose="020B0609020204030204" pitchFamily="49" charset="0"/>
-              </a:rPr>
-              <a:t> is very useful when working with function arguments. Consider this example:</a:t>
+              <a:rPr lang="en-IN" b="1" dirty="0" smtClean="0">
+                <a:latin typeface="Consolas" panose="020B0609020204030204" pitchFamily="49" charset="0"/>
+              </a:rPr>
+              <a:t> </a:t>
+            </a:r>
+            <a:r>
+              <a:rPr lang="en-IN" b="1" dirty="0">
+                <a:latin typeface="Consolas" panose="020B0609020204030204" pitchFamily="49" charset="0"/>
+              </a:rPr>
+              <a:t>is very useful when working with function arguments. Consider this example:</a:t>
             </a:r>
           </a:p>
           <a:p>
@@ -7973,6 +8002,13 @@
   <p:clrMapOvr>
     <a:masterClrMapping/>
   </p:clrMapOvr>
+  <p:timing>
+    <p:tnLst>
+      <p:par>
+        <p:cTn id="1" dur="indefinite" restart="never" nodeType="tmRoot"/>
+      </p:par>
+    </p:tnLst>
+  </p:timing>
 </p:sld>
 </file>
 
@@ -8155,6 +8191,13 @@
   <p:clrMapOvr>
     <a:masterClrMapping/>
   </p:clrMapOvr>
+  <p:timing>
+    <p:tnLst>
+      <p:par>
+        <p:cTn id="1" dur="indefinite" restart="never" nodeType="tmRoot"/>
+      </p:par>
+    </p:tnLst>
+  </p:timing>
 </p:sld>
 </file>
 
@@ -8211,6 +8254,13 @@
   <p:clrMapOvr>
     <a:masterClrMapping/>
   </p:clrMapOvr>
+  <p:timing>
+    <p:tnLst>
+      <p:par>
+        <p:cTn id="1" dur="indefinite" restart="never" nodeType="tmRoot"/>
+      </p:par>
+    </p:tnLst>
+  </p:timing>
 </p:sld>
 </file>
 
@@ -8350,6 +8400,13 @@
   <p:clrMapOvr>
     <a:masterClrMapping/>
   </p:clrMapOvr>
+  <p:timing>
+    <p:tnLst>
+      <p:par>
+        <p:cTn id="1" dur="indefinite" restart="never" nodeType="tmRoot"/>
+      </p:par>
+    </p:tnLst>
+  </p:timing>
 </p:sld>
 </file>
 
@@ -8577,6 +8634,13 @@
   <p:clrMapOvr>
     <a:masterClrMapping/>
   </p:clrMapOvr>
+  <p:timing>
+    <p:tnLst>
+      <p:par>
+        <p:cTn id="1" dur="indefinite" restart="never" nodeType="tmRoot"/>
+      </p:par>
+    </p:tnLst>
+  </p:timing>
 </p:sld>
 </file>
 
@@ -8989,6 +9053,13 @@
   <p:clrMapOvr>
     <a:masterClrMapping/>
   </p:clrMapOvr>
+  <p:timing>
+    <p:tnLst>
+      <p:par>
+        <p:cTn id="1" dur="indefinite" restart="never" nodeType="tmRoot"/>
+      </p:par>
+    </p:tnLst>
+  </p:timing>
 </p:sld>
 </file>
 

--- a/React/ReactTheory.pptx
+++ b/React/ReactTheory.pptx
@@ -295,7 +295,7 @@
           <a:p>
             <a:fld id="{66221694-4E4C-4890-A3D3-238D0E488A59}" type="datetimeFigureOut">
               <a:rPr lang="en-IN" smtClean="0"/>
-              <a:t>15-04-2021</a:t>
+              <a:t>18-04-2021</a:t>
             </a:fld>
             <a:endParaRPr lang="en-IN"/>
           </a:p>
@@ -465,7 +465,7 @@
           <a:p>
             <a:fld id="{66221694-4E4C-4890-A3D3-238D0E488A59}" type="datetimeFigureOut">
               <a:rPr lang="en-IN" smtClean="0"/>
-              <a:t>15-04-2021</a:t>
+              <a:t>18-04-2021</a:t>
             </a:fld>
             <a:endParaRPr lang="en-IN"/>
           </a:p>
@@ -645,7 +645,7 @@
           <a:p>
             <a:fld id="{66221694-4E4C-4890-A3D3-238D0E488A59}" type="datetimeFigureOut">
               <a:rPr lang="en-IN" smtClean="0"/>
-              <a:t>15-04-2021</a:t>
+              <a:t>18-04-2021</a:t>
             </a:fld>
             <a:endParaRPr lang="en-IN"/>
           </a:p>
@@ -815,7 +815,7 @@
           <a:p>
             <a:fld id="{66221694-4E4C-4890-A3D3-238D0E488A59}" type="datetimeFigureOut">
               <a:rPr lang="en-IN" smtClean="0"/>
-              <a:t>15-04-2021</a:t>
+              <a:t>18-04-2021</a:t>
             </a:fld>
             <a:endParaRPr lang="en-IN"/>
           </a:p>
@@ -1061,7 +1061,7 @@
           <a:p>
             <a:fld id="{66221694-4E4C-4890-A3D3-238D0E488A59}" type="datetimeFigureOut">
               <a:rPr lang="en-IN" smtClean="0"/>
-              <a:t>15-04-2021</a:t>
+              <a:t>18-04-2021</a:t>
             </a:fld>
             <a:endParaRPr lang="en-IN"/>
           </a:p>
@@ -1293,7 +1293,7 @@
           <a:p>
             <a:fld id="{66221694-4E4C-4890-A3D3-238D0E488A59}" type="datetimeFigureOut">
               <a:rPr lang="en-IN" smtClean="0"/>
-              <a:t>15-04-2021</a:t>
+              <a:t>18-04-2021</a:t>
             </a:fld>
             <a:endParaRPr lang="en-IN"/>
           </a:p>
@@ -1660,7 +1660,7 @@
           <a:p>
             <a:fld id="{66221694-4E4C-4890-A3D3-238D0E488A59}" type="datetimeFigureOut">
               <a:rPr lang="en-IN" smtClean="0"/>
-              <a:t>15-04-2021</a:t>
+              <a:t>18-04-2021</a:t>
             </a:fld>
             <a:endParaRPr lang="en-IN"/>
           </a:p>
@@ -1778,7 +1778,7 @@
           <a:p>
             <a:fld id="{66221694-4E4C-4890-A3D3-238D0E488A59}" type="datetimeFigureOut">
               <a:rPr lang="en-IN" smtClean="0"/>
-              <a:t>15-04-2021</a:t>
+              <a:t>18-04-2021</a:t>
             </a:fld>
             <a:endParaRPr lang="en-IN"/>
           </a:p>
@@ -1873,7 +1873,7 @@
           <a:p>
             <a:fld id="{66221694-4E4C-4890-A3D3-238D0E488A59}" type="datetimeFigureOut">
               <a:rPr lang="en-IN" smtClean="0"/>
-              <a:t>15-04-2021</a:t>
+              <a:t>18-04-2021</a:t>
             </a:fld>
             <a:endParaRPr lang="en-IN"/>
           </a:p>
@@ -2150,7 +2150,7 @@
           <a:p>
             <a:fld id="{66221694-4E4C-4890-A3D3-238D0E488A59}" type="datetimeFigureOut">
               <a:rPr lang="en-IN" smtClean="0"/>
-              <a:t>15-04-2021</a:t>
+              <a:t>18-04-2021</a:t>
             </a:fld>
             <a:endParaRPr lang="en-IN"/>
           </a:p>
@@ -2403,7 +2403,7 @@
           <a:p>
             <a:fld id="{66221694-4E4C-4890-A3D3-238D0E488A59}" type="datetimeFigureOut">
               <a:rPr lang="en-IN" smtClean="0"/>
-              <a:t>15-04-2021</a:t>
+              <a:t>18-04-2021</a:t>
             </a:fld>
             <a:endParaRPr lang="en-IN"/>
           </a:p>
@@ -2616,7 +2616,7 @@
           <a:p>
             <a:fld id="{66221694-4E4C-4890-A3D3-238D0E488A59}" type="datetimeFigureOut">
               <a:rPr lang="en-IN" smtClean="0"/>
-              <a:t>15-04-2021</a:t>
+              <a:t>18-04-2021</a:t>
             </a:fld>
             <a:endParaRPr lang="en-IN"/>
           </a:p>
@@ -8385,8 +8385,34 @@
               <a:rPr lang="en-IN" dirty="0">
                 <a:latin typeface="Consolas" panose="020B0609020204030204" pitchFamily="49" charset="0"/>
               </a:rPr>
-              <a:t>create-react-app react-complete-guide --scripts-version 1.1.5</a:t>
-            </a:r>
+              <a:t>create-react-app react-complete-guide --scripts-version </a:t>
+            </a:r>
+            <a:r>
+              <a:rPr lang="en-IN" dirty="0" smtClean="0">
+                <a:latin typeface="Consolas" panose="020B0609020204030204" pitchFamily="49" charset="0"/>
+              </a:rPr>
+              <a:t>1.1.5</a:t>
+            </a:r>
+          </a:p>
+          <a:p>
+            <a:pPr marL="0" indent="0">
+              <a:buNone/>
+            </a:pPr>
+            <a:r>
+              <a:rPr lang="en-IN" dirty="0">
+                <a:latin typeface="Consolas" panose="020B0609020204030204" pitchFamily="49" charset="0"/>
+              </a:rPr>
+              <a:t>create-react-app </a:t>
+            </a:r>
+            <a:r>
+              <a:rPr lang="en-IN" dirty="0" smtClean="0">
+                <a:latin typeface="Consolas" panose="020B0609020204030204" pitchFamily="49" charset="0"/>
+              </a:rPr>
+              <a:t>react-complete-tutorial</a:t>
+            </a:r>
+            <a:endParaRPr lang="en-IN" dirty="0">
+              <a:latin typeface="Consolas" panose="020B0609020204030204" pitchFamily="49" charset="0"/>
+            </a:endParaRPr>
           </a:p>
         </p:txBody>
       </p:sp>
@@ -9126,7 +9152,25 @@
               <a:rPr lang="en-US" dirty="0">
                 <a:latin typeface="Consolas" panose="020B0609020204030204" pitchFamily="49" charset="0"/>
               </a:rPr>
-              <a:t> run build to optimize it even more, not launch the development server	but instead get your optimized code stored in a folder because right now you won't see your compiled code anywhere here, everything happens in memory</a:t>
+              <a:t> run build to optimize it even more, not launch the </a:t>
+            </a:r>
+            <a:r>
+              <a:rPr lang="en-US">
+                <a:latin typeface="Consolas" panose="020B0609020204030204" pitchFamily="49" charset="0"/>
+              </a:rPr>
+              <a:t>development </a:t>
+            </a:r>
+            <a:r>
+              <a:rPr lang="en-US" smtClean="0">
+                <a:latin typeface="Consolas" panose="020B0609020204030204" pitchFamily="49" charset="0"/>
+              </a:rPr>
+              <a:t>server but </a:t>
+            </a:r>
+            <a:r>
+              <a:rPr lang="en-US" dirty="0">
+                <a:latin typeface="Consolas" panose="020B0609020204030204" pitchFamily="49" charset="0"/>
+              </a:rPr>
+              <a:t>instead get your optimized code stored in a folder because right now you won't see your compiled code anywhere here, everything happens in memory</a:t>
             </a:r>
             <a:r>
               <a:rPr lang="en-US" dirty="0" smtClean="0">
@@ -10374,12 +10418,71 @@
             <a:pPr marL="0" indent="0">
               <a:buNone/>
             </a:pPr>
+            <a:r>
+              <a:rPr lang="en-US" b="1" u="sng" dirty="0" smtClean="0">
+                <a:latin typeface="Consolas" panose="020B0609020204030204" pitchFamily="49" charset="0"/>
+              </a:rPr>
+              <a:t>Understanding Components Basics</a:t>
+            </a:r>
+          </a:p>
+          <a:p>
+            <a:pPr>
+              <a:buFontTx/>
+              <a:buChar char="-"/>
+            </a:pPr>
+            <a:r>
+              <a:rPr lang="en-US" dirty="0" smtClean="0">
+                <a:latin typeface="Consolas" panose="020B0609020204030204" pitchFamily="49" charset="0"/>
+              </a:rPr>
+              <a:t>react </a:t>
+            </a:r>
+            <a:r>
+              <a:rPr lang="en-US" dirty="0">
+                <a:latin typeface="Consolas" panose="020B0609020204030204" pitchFamily="49" charset="0"/>
+              </a:rPr>
+              <a:t>is all about creating components, basically custom html. elements you could say, which you can then use to construct your application</a:t>
+            </a:r>
+            <a:r>
+              <a:rPr lang="en-US" dirty="0" smtClean="0">
+                <a:latin typeface="Consolas" panose="020B0609020204030204" pitchFamily="49" charset="0"/>
+              </a:rPr>
+              <a:t>.</a:t>
+            </a:r>
+          </a:p>
+          <a:p>
+            <a:pPr marL="0" indent="0">
+              <a:buNone/>
+            </a:pPr>
             <a:endParaRPr lang="en-IN" dirty="0">
               <a:latin typeface="Consolas" panose="020B0609020204030204" pitchFamily="49" charset="0"/>
             </a:endParaRPr>
           </a:p>
         </p:txBody>
       </p:sp>
+      <p:pic>
+        <p:nvPicPr>
+          <p:cNvPr id="2" name="Picture 1"/>
+          <p:cNvPicPr>
+            <a:picLocks noChangeAspect="1"/>
+          </p:cNvPicPr>
+          <p:nvPr/>
+        </p:nvPicPr>
+        <p:blipFill>
+          <a:blip r:embed="rId2"/>
+          <a:stretch>
+            <a:fillRect/>
+          </a:stretch>
+        </p:blipFill>
+        <p:spPr>
+          <a:xfrm>
+            <a:off x="1586346" y="2324154"/>
+            <a:ext cx="8402781" cy="4395301"/>
+          </a:xfrm>
+          <a:prstGeom prst="rect">
+            <a:avLst/>
+          </a:prstGeom>
+        </p:spPr>
+      </p:pic>
     </p:spTree>
     <p:extLst>
       <p:ext uri="{BB962C8B-B14F-4D97-AF65-F5344CB8AC3E}">
@@ -10433,6 +10536,66 @@
             <a:pPr marL="0" indent="0">
               <a:buNone/>
             </a:pPr>
+            <a:r>
+              <a:rPr lang="en-IN" b="1" u="sng" dirty="0" smtClean="0">
+                <a:latin typeface="Consolas" panose="020B0609020204030204" pitchFamily="49" charset="0"/>
+              </a:rPr>
+              <a:t>Creating our first react component</a:t>
+            </a:r>
+          </a:p>
+          <a:p>
+            <a:pPr>
+              <a:buFontTx/>
+              <a:buChar char="-"/>
+            </a:pPr>
+            <a:r>
+              <a:rPr lang="en-IN" dirty="0" smtClean="0">
+                <a:latin typeface="Consolas" panose="020B0609020204030204" pitchFamily="49" charset="0"/>
+              </a:rPr>
+              <a:t>First delete the files in the </a:t>
+            </a:r>
+            <a:r>
+              <a:rPr lang="en-IN" dirty="0" err="1" smtClean="0">
+                <a:latin typeface="Consolas" panose="020B0609020204030204" pitchFamily="49" charset="0"/>
+              </a:rPr>
+              <a:t>src</a:t>
+            </a:r>
+            <a:r>
+              <a:rPr lang="en-IN" dirty="0" smtClean="0">
+                <a:latin typeface="Consolas" panose="020B0609020204030204" pitchFamily="49" charset="0"/>
+              </a:rPr>
+              <a:t> all the files except index.js</a:t>
+            </a:r>
+          </a:p>
+          <a:p>
+            <a:pPr>
+              <a:buFontTx/>
+              <a:buChar char="-"/>
+            </a:pPr>
+            <a:r>
+              <a:rPr lang="en-IN" dirty="0">
+                <a:latin typeface="Consolas" panose="020B0609020204030204" pitchFamily="49" charset="0"/>
+              </a:rPr>
+              <a:t>i</a:t>
+            </a:r>
+            <a:r>
+              <a:rPr lang="en-IN" dirty="0" smtClean="0">
+                <a:latin typeface="Consolas" panose="020B0609020204030204" pitchFamily="49" charset="0"/>
+              </a:rPr>
+              <a:t>ndex.js is the </a:t>
+            </a:r>
+            <a:r>
+              <a:rPr lang="en-IN" dirty="0" err="1" smtClean="0">
+                <a:latin typeface="Consolas" panose="020B0609020204030204" pitchFamily="49" charset="0"/>
+              </a:rPr>
+              <a:t>javascript</a:t>
+            </a:r>
+            <a:r>
+              <a:rPr lang="en-IN" dirty="0" smtClean="0">
+                <a:latin typeface="Consolas" panose="020B0609020204030204" pitchFamily="49" charset="0"/>
+              </a:rPr>
+              <a:t> entry point</a:t>
+            </a:r>
             <a:endParaRPr lang="en-IN" dirty="0">
               <a:latin typeface="Consolas" panose="020B0609020204030204" pitchFamily="49" charset="0"/>
             </a:endParaRPr>
